--- a/doc/Présentation pour SOUTENANCE DE STAGE 2016-2017.pptx
+++ b/doc/Présentation pour SOUTENANCE DE STAGE 2016-2017.pptx
@@ -1415,7 +1415,8 @@
                   <a:srgbClr val="FFFFFF"/>
                 </a:solidFill>
               </a:rPr>
-              <a:t>29/06/2017</a:t>
+              <a:pPr algn="ctr"/>
+              <a:t>30/06/2017</a:t>
             </a:fld>
             <a:endParaRPr kumimoji="0" lang="fr-FR" sz="2000">
               <a:solidFill>
@@ -1621,7 +1622,8 @@
           <a:p>
             <a:fld id="{D9084491-6973-4420-A803-09164DC49C19}" type="datetime1">
               <a:rPr kumimoji="0" lang="fr-FR" smtClean="0"/>
-              <a:t>29/06/2017</a:t>
+              <a:pPr/>
+              <a:t>30/06/2017</a:t>
             </a:fld>
             <a:endParaRPr kumimoji="0" lang="fr-FR"/>
           </a:p>
@@ -2054,7 +2056,8 @@
           <a:p>
             <a:fld id="{DF52BB03-897B-483C-9DE3-6556D21DA513}" type="datetime1">
               <a:rPr kumimoji="0" lang="fr-FR" smtClean="0"/>
-              <a:t>29/06/2017</a:t>
+              <a:pPr/>
+              <a:t>30/06/2017</a:t>
             </a:fld>
             <a:endParaRPr kumimoji="0" lang="fr-FR"/>
           </a:p>
@@ -2322,7 +2325,8 @@
           <a:p>
             <a:fld id="{985AFD8C-87CE-4F16-BEAF-752DD8B6B83E}" type="datetime1">
               <a:rPr kumimoji="0" lang="fr-FR" smtClean="0"/>
-              <a:t>29/06/2017</a:t>
+              <a:pPr/>
+              <a:t>30/06/2017</a:t>
             </a:fld>
             <a:endParaRPr kumimoji="0" lang="fr-FR"/>
           </a:p>
@@ -2580,7 +2584,8 @@
           <a:p>
             <a:fld id="{AA85FD29-D34E-4A92-AAC2-B2BA2D139EB9}" type="datetime1">
               <a:rPr kumimoji="0" lang="fr-FR" smtClean="0"/>
-              <a:t>29/06/2017</a:t>
+              <a:pPr/>
+              <a:t>30/06/2017</a:t>
             </a:fld>
             <a:endParaRPr kumimoji="0" lang="fr-FR"/>
           </a:p>
@@ -2796,7 +2801,8 @@
           <a:p>
             <a:fld id="{C1A8ED4A-879C-4E77-9CEB-EB8A8AEB6352}" type="datetime1">
               <a:rPr kumimoji="0" lang="fr-FR" smtClean="0"/>
-              <a:t>29/06/2017</a:t>
+              <a:pPr/>
+              <a:t>30/06/2017</a:t>
             </a:fld>
             <a:endParaRPr kumimoji="0" lang="fr-FR"/>
           </a:p>
@@ -2912,7 +2918,8 @@
           <a:p>
             <a:fld id="{EA6BE7D7-3B45-4B4A-A153-0CAEE2D506BB}" type="datetime1">
               <a:rPr kumimoji="0" lang="fr-FR" smtClean="0"/>
-              <a:t>29/06/2017</a:t>
+              <a:pPr/>
+              <a:t>30/06/2017</a:t>
             </a:fld>
             <a:endParaRPr kumimoji="0" lang="fr-FR"/>
           </a:p>
@@ -3068,7 +3075,8 @@
           <a:p>
             <a:fld id="{C2A5C993-CDA9-4088-A888-8D2CF4DBD94B}" type="datetime1">
               <a:rPr kumimoji="0" lang="fr-FR" smtClean="0"/>
-              <a:t>29/06/2017</a:t>
+              <a:pPr/>
+              <a:t>30/06/2017</a:t>
             </a:fld>
             <a:endParaRPr kumimoji="0" lang="fr-FR"/>
           </a:p>
@@ -3660,7 +3668,8 @@
           <a:p>
             <a:fld id="{A7154C44-234A-4E66-BB40-F84162560F52}" type="datetime1">
               <a:rPr kumimoji="0" lang="fr-FR" smtClean="0"/>
-              <a:t>29/06/2017</a:t>
+              <a:pPr/>
+              <a:t>30/06/2017</a:t>
             </a:fld>
             <a:endParaRPr kumimoji="0" lang="fr-FR"/>
           </a:p>
@@ -3867,7 +3876,8 @@
                   <a:schemeClr val="tx2"/>
                 </a:solidFill>
               </a:rPr>
-              <a:t>29/06/2017</a:t>
+              <a:pPr/>
+              <a:t>30/06/2017</a:t>
             </a:fld>
             <a:endParaRPr kumimoji="0" lang="fr-FR" sz="1400">
               <a:solidFill>
@@ -4546,11 +4556,7 @@
             </a:r>
             <a:r>
               <a:rPr lang="fr-FR" sz="2000" dirty="0" err="1" smtClean="0"/>
-              <a:t>Olpac</a:t>
-            </a:r>
-            <a:r>
-              <a:rPr lang="fr-FR" sz="2000" dirty="0" err="1" smtClean="0"/>
-              <a:t>_Web</a:t>
+              <a:t>Olpac_Web</a:t>
             </a:r>
             <a:r>
               <a:rPr lang="fr-FR" sz="2000" dirty="0" smtClean="0"/>
@@ -4632,7 +4638,7 @@
         </p:nvSpPr>
         <p:spPr>
           <a:xfrm>
-            <a:off x="0" y="4577680"/>
+            <a:off x="0" y="4500576"/>
             <a:ext cx="2123728" cy="514350"/>
           </a:xfrm>
           <a:prstGeom prst="rect">
@@ -5101,99 +5107,6 @@
       </p:sp>
       <p:sp>
         <p:nvSpPr>
-          <p:cNvPr id="14" name="Rectangle 2"/>
-          <p:cNvSpPr txBox="1">
-            <a:spLocks/>
-          </p:cNvSpPr>
-          <p:nvPr/>
-        </p:nvSpPr>
-        <p:spPr>
-          <a:xfrm>
-            <a:off x="0" y="915566"/>
-            <a:ext cx="7315200" cy="514350"/>
-          </a:xfrm>
-          <a:prstGeom prst="rect">
-            <a:avLst/>
-          </a:prstGeom>
-        </p:spPr>
-        <p:txBody>
-          <a:bodyPr>
-            <a:normAutofit/>
-          </a:bodyPr>
-          <a:lstStyle>
-            <a:extLst/>
-          </a:lstStyle>
-          <a:p>
-            <a:pPr marL="320040" marR="0" lvl="0" indent="-320040" algn="l" defTabSz="914400" rtl="0" eaLnBrk="1" fontAlgn="auto" latinLnBrk="0" hangingPunct="1">
-              <a:lnSpc>
-                <a:spcPct val="100000"/>
-              </a:lnSpc>
-              <a:spcBef>
-                <a:spcPts val="700"/>
-              </a:spcBef>
-              <a:spcAft>
-                <a:spcPts val="0"/>
-              </a:spcAft>
-              <a:buClr>
-                <a:schemeClr val="accent2"/>
-              </a:buClr>
-              <a:buSzPct val="60000"/>
-              <a:tabLst/>
-              <a:defRPr/>
-            </a:pPr>
-            <a:fld id="{D7884D48-49E7-4475-813A-6B2B1B9440B5}" type="datetime2">
-              <a:rPr kumimoji="0" lang="fr-FR" sz="1200" b="0" i="0" u="none" strike="noStrike" kern="1200" cap="none" spc="0" normalizeH="0" baseline="0" noProof="0" smtClean="0">
-                <a:ln>
-                  <a:noFill/>
-                </a:ln>
-                <a:solidFill>
-                  <a:schemeClr val="tx1"/>
-                </a:solidFill>
-                <a:effectLst/>
-                <a:uLnTx/>
-                <a:uFillTx/>
-                <a:latin typeface="+mn-lt"/>
-                <a:ea typeface="+mn-ea"/>
-                <a:cs typeface="+mn-cs"/>
-              </a:rPr>
-              <a:pPr marL="320040" marR="0" lvl="0" indent="-320040" algn="l" defTabSz="914400" rtl="0" eaLnBrk="1" fontAlgn="auto" latinLnBrk="0" hangingPunct="1">
-                <a:lnSpc>
-                  <a:spcPct val="100000"/>
-                </a:lnSpc>
-                <a:spcBef>
-                  <a:spcPts val="700"/>
-                </a:spcBef>
-                <a:spcAft>
-                  <a:spcPts val="0"/>
-                </a:spcAft>
-                <a:buClr>
-                  <a:schemeClr val="accent2"/>
-                </a:buClr>
-                <a:buSzPct val="60000"/>
-                <a:tabLst/>
-                <a:defRPr/>
-              </a:pPr>
-              <a:t>jeudi 29 juin 2017</a:t>
-            </a:fld>
-            <a:endParaRPr kumimoji="0" lang="fr-FR" sz="1200" b="0" i="0" u="none" strike="noStrike" kern="1200" cap="none" spc="0" normalizeH="0" baseline="0" noProof="0" dirty="0">
-              <a:ln>
-                <a:noFill/>
-              </a:ln>
-              <a:solidFill>
-                <a:schemeClr val="tx1"/>
-              </a:solidFill>
-              <a:effectLst/>
-              <a:uLnTx/>
-              <a:uFillTx/>
-              <a:latin typeface="+mn-lt"/>
-              <a:ea typeface="+mn-ea"/>
-              <a:cs typeface="+mn-cs"/>
-            </a:endParaRPr>
-          </a:p>
-        </p:txBody>
-      </p:sp>
-      <p:sp>
-        <p:nvSpPr>
           <p:cNvPr id="17" name="Espace réservé de la date 16"/>
           <p:cNvSpPr>
             <a:spLocks noGrp="1"/>
@@ -5202,7 +5115,12 @@
             <p:ph type="dt" sz="half" idx="10"/>
           </p:nvPr>
         </p:nvSpPr>
-        <p:spPr/>
+        <p:spPr>
+          <a:xfrm>
+            <a:off x="-285784" y="842954"/>
+            <a:ext cx="2057400" cy="514350"/>
+          </a:xfrm>
+        </p:spPr>
         <p:txBody>
           <a:bodyPr/>
           <a:lstStyle/>
@@ -5214,43 +5132,12 @@
                   <a:srgbClr val="FFFFFF"/>
                 </a:solidFill>
               </a:rPr>
-              <a:t>29/06/2017</a:t>
+              <a:pPr algn="ctr"/>
+              <a:t>30/06/2017</a:t>
             </a:fld>
-            <a:endParaRPr kumimoji="0" lang="fr-FR" sz="2000">
+            <a:endParaRPr kumimoji="0" lang="fr-FR" sz="2000" dirty="0">
               <a:solidFill>
                 <a:srgbClr val="FFFFFF"/>
-              </a:solidFill>
-            </a:endParaRPr>
-          </a:p>
-        </p:txBody>
-      </p:sp>
-      <p:sp>
-        <p:nvSpPr>
-          <p:cNvPr id="18" name="Espace réservé du pied de page 17"/>
-          <p:cNvSpPr>
-            <a:spLocks noGrp="1"/>
-          </p:cNvSpPr>
-          <p:nvPr>
-            <p:ph type="ftr" sz="quarter" idx="11"/>
-          </p:nvPr>
-        </p:nvSpPr>
-        <p:spPr/>
-        <p:txBody>
-          <a:bodyPr/>
-          <a:lstStyle/>
-          <a:p>
-            <a:pPr algn="r"/>
-            <a:r>
-              <a:rPr kumimoji="0" lang="fr-FR" smtClean="0">
-                <a:solidFill>
-                  <a:schemeClr val="tx2"/>
-                </a:solidFill>
-              </a:rPr>
-              <a:t>Ismael Mkenini-Zaatout</a:t>
-            </a:r>
-            <a:endParaRPr kumimoji="0" lang="fr-FR">
-              <a:solidFill>
-                <a:schemeClr val="tx2"/>
               </a:solidFill>
             </a:endParaRPr>
           </a:p>
@@ -5323,46 +5210,111 @@
       </p:sp>
       <p:sp>
         <p:nvSpPr>
-          <p:cNvPr id="5" name="Espace réservé pour une image  4"/>
-          <p:cNvSpPr>
-            <a:spLocks noGrp="1"/>
-          </p:cNvSpPr>
-          <p:nvPr>
-            <p:ph type="pic" idx="1"/>
-          </p:nvPr>
-        </p:nvSpPr>
-        <p:spPr>
-          <a:xfrm>
-            <a:off x="1547664" y="0"/>
-            <a:ext cx="7596336" cy="3435846"/>
-          </a:xfrm>
-        </p:spPr>
-      </p:sp>
-      <p:sp>
-        <p:nvSpPr>
-          <p:cNvPr id="10" name="ZoneTexte 9"/>
-          <p:cNvSpPr txBox="1"/>
+          <p:cNvPr id="9" name="Espace réservé de la date 8"/>
+          <p:cNvSpPr>
+            <a:spLocks noGrp="1"/>
+          </p:cNvSpPr>
+          <p:nvPr>
+            <p:ph type="dt" sz="half" idx="10"/>
+          </p:nvPr>
+        </p:nvSpPr>
+        <p:spPr/>
+        <p:txBody>
+          <a:bodyPr/>
+          <a:lstStyle/>
+          <a:p>
+            <a:fld id="{DC68B234-8AEA-4937-A2B8-9124E22DB2DE}" type="datetime1">
+              <a:rPr kumimoji="0" lang="fr-FR" smtClean="0"/>
+              <a:pPr/>
+              <a:t>30/06/2017</a:t>
+            </a:fld>
+            <a:endParaRPr kumimoji="0" lang="fr-FR"/>
+          </a:p>
+        </p:txBody>
+      </p:sp>
+      <p:sp>
+        <p:nvSpPr>
+          <p:cNvPr id="12" name="Espace réservé du pied de page 11"/>
+          <p:cNvSpPr>
+            <a:spLocks noGrp="1"/>
+          </p:cNvSpPr>
+          <p:nvPr>
+            <p:ph type="ftr" sz="quarter" idx="12"/>
+          </p:nvPr>
+        </p:nvSpPr>
+        <p:spPr/>
+        <p:txBody>
+          <a:bodyPr/>
+          <a:lstStyle/>
+          <a:p>
+            <a:pPr algn="l"/>
+            <a:r>
+              <a:rPr kumimoji="0" lang="fr-FR" dirty="0" err="1" smtClean="0"/>
+              <a:t>Ismael</a:t>
+            </a:r>
+            <a:r>
+              <a:rPr kumimoji="0" lang="fr-FR" dirty="0" smtClean="0"/>
+              <a:t> </a:t>
+            </a:r>
+            <a:r>
+              <a:rPr kumimoji="0" lang="fr-FR" dirty="0" err="1" smtClean="0"/>
+              <a:t>Mkenini</a:t>
+            </a:r>
+            <a:r>
+              <a:rPr kumimoji="0" lang="fr-FR" dirty="0" smtClean="0"/>
+              <a:t>-</a:t>
+            </a:r>
+            <a:r>
+              <a:rPr kumimoji="0" lang="fr-FR" dirty="0" err="1" smtClean="0"/>
+              <a:t>Zaatout</a:t>
+            </a:r>
+            <a:endParaRPr kumimoji="0" lang="fr-FR" dirty="0"/>
+          </a:p>
+        </p:txBody>
+      </p:sp>
+      <p:sp>
+        <p:nvSpPr>
+          <p:cNvPr id="13" name="Espace réservé du texte 12"/>
+          <p:cNvSpPr>
+            <a:spLocks noGrp="1"/>
+          </p:cNvSpPr>
+          <p:nvPr>
+            <p:ph type="body" sz="half" idx="2"/>
+          </p:nvPr>
+        </p:nvSpPr>
+        <p:spPr/>
+        <p:txBody>
+          <a:bodyPr/>
+          <a:lstStyle/>
+          <a:p>
+            <a:endParaRPr lang="fr-FR" dirty="0"/>
+          </a:p>
+        </p:txBody>
+      </p:sp>
+      <p:sp>
+        <p:nvSpPr>
+          <p:cNvPr id="8" name="Rectangle 7"/>
+          <p:cNvSpPr/>
           <p:nvPr/>
         </p:nvSpPr>
         <p:spPr>
           <a:xfrm>
-            <a:off x="1547665" y="411510"/>
-            <a:ext cx="7596335" cy="3323987"/>
+            <a:off x="1500166" y="0"/>
+            <a:ext cx="7429552" cy="3693319"/>
           </a:xfrm>
           <a:prstGeom prst="rect">
             <a:avLst/>
           </a:prstGeom>
-          <a:noFill/>
-        </p:spPr>
-        <p:txBody>
-          <a:bodyPr wrap="square" rtlCol="0">
+        </p:spPr>
+        <p:txBody>
+          <a:bodyPr wrap="square">
             <a:spAutoFit/>
           </a:bodyPr>
           <a:lstStyle/>
           <a:p>
             <a:pPr lvl="0" algn="ctr"/>
             <a:r>
-              <a:rPr lang="fi-FI" sz="3200" dirty="0" smtClean="0">
+              <a:rPr lang="fi-FI" sz="3600" dirty="0" smtClean="0">
                 <a:latin typeface="Rockwell" pitchFamily="18" charset="0"/>
               </a:rPr>
               <a:t>- Introduction </a:t>
@@ -5371,7 +5323,7 @@
           <a:p>
             <a:pPr lvl="0" algn="ctr"/>
             <a:r>
-              <a:rPr lang="fi-FI" sz="3200" dirty="0" smtClean="0">
+              <a:rPr lang="fi-FI" sz="3600" dirty="0" smtClean="0">
                 <a:latin typeface="Rockwell" pitchFamily="18" charset="0"/>
               </a:rPr>
               <a:t>- Contexte </a:t>
@@ -5380,7 +5332,7 @@
           <a:p>
             <a:pPr lvl="0" algn="ctr"/>
             <a:r>
-              <a:rPr lang="fi-FI" sz="3200" dirty="0" smtClean="0">
+              <a:rPr lang="fi-FI" sz="3600" dirty="0" smtClean="0">
                 <a:latin typeface="Rockwell" pitchFamily="18" charset="0"/>
               </a:rPr>
               <a:t>- Conception </a:t>
@@ -5389,7 +5341,7 @@
           <a:p>
             <a:pPr lvl="0" algn="ctr"/>
             <a:r>
-              <a:rPr lang="fi-FI" sz="3200" dirty="0" smtClean="0">
+              <a:rPr lang="fi-FI" sz="3600" dirty="0" smtClean="0">
                 <a:latin typeface="Rockwell" pitchFamily="18" charset="0"/>
               </a:rPr>
               <a:t>- Réalisations </a:t>
@@ -5398,7 +5350,7 @@
           <a:p>
             <a:pPr lvl="0" algn="ctr"/>
             <a:r>
-              <a:rPr lang="fi-FI" sz="3200" dirty="0" smtClean="0">
+              <a:rPr lang="fi-FI" sz="3600" dirty="0" smtClean="0">
                 <a:latin typeface="Rockwell" pitchFamily="18" charset="0"/>
               </a:rPr>
               <a:t>- Démonstration </a:t>
@@ -5407,96 +5359,14 @@
           <a:p>
             <a:pPr lvl="0" algn="ctr"/>
             <a:r>
-              <a:rPr lang="fi-FI" sz="3200" dirty="0" smtClean="0">
+              <a:rPr lang="fi-FI" sz="3600" dirty="0" smtClean="0">
                 <a:latin typeface="Rockwell" pitchFamily="18" charset="0"/>
               </a:rPr>
               <a:t>- Bilan </a:t>
             </a:r>
           </a:p>
           <a:p>
-            <a:endParaRPr lang="fr-FR" dirty="0"/>
-          </a:p>
-        </p:txBody>
-      </p:sp>
-      <p:sp>
-        <p:nvSpPr>
-          <p:cNvPr id="9" name="Espace réservé de la date 8"/>
-          <p:cNvSpPr>
-            <a:spLocks noGrp="1"/>
-          </p:cNvSpPr>
-          <p:nvPr>
-            <p:ph type="dt" sz="half" idx="10"/>
-          </p:nvPr>
-        </p:nvSpPr>
-        <p:spPr/>
-        <p:txBody>
-          <a:bodyPr/>
-          <a:lstStyle/>
-          <a:p>
-            <a:fld id="{DC68B234-8AEA-4937-A2B8-9124E22DB2DE}" type="datetime1">
-              <a:rPr kumimoji="0" lang="fr-FR" smtClean="0"/>
-              <a:t>29/06/2017</a:t>
-            </a:fld>
-            <a:endParaRPr kumimoji="0" lang="fr-FR"/>
-          </a:p>
-        </p:txBody>
-      </p:sp>
-      <p:sp>
-        <p:nvSpPr>
-          <p:cNvPr id="12" name="Espace réservé du pied de page 11"/>
-          <p:cNvSpPr>
-            <a:spLocks noGrp="1"/>
-          </p:cNvSpPr>
-          <p:nvPr>
-            <p:ph type="ftr" sz="quarter" idx="12"/>
-          </p:nvPr>
-        </p:nvSpPr>
-        <p:spPr/>
-        <p:txBody>
-          <a:bodyPr/>
-          <a:lstStyle/>
-          <a:p>
-            <a:pPr algn="l"/>
-            <a:r>
-              <a:rPr kumimoji="0" lang="fr-FR" dirty="0" err="1" smtClean="0"/>
-              <a:t>Ismael</a:t>
-            </a:r>
-            <a:r>
-              <a:rPr kumimoji="0" lang="fr-FR" dirty="0" smtClean="0"/>
-              <a:t> </a:t>
-            </a:r>
-            <a:r>
-              <a:rPr kumimoji="0" lang="fr-FR" dirty="0" err="1" smtClean="0"/>
-              <a:t>Mkenini</a:t>
-            </a:r>
-            <a:r>
-              <a:rPr kumimoji="0" lang="fr-FR" dirty="0" smtClean="0"/>
-              <a:t>-</a:t>
-            </a:r>
-            <a:r>
-              <a:rPr kumimoji="0" lang="fr-FR" dirty="0" err="1" smtClean="0"/>
-              <a:t>Zaatout</a:t>
-            </a:r>
-            <a:endParaRPr kumimoji="0" lang="fr-FR" dirty="0"/>
-          </a:p>
-        </p:txBody>
-      </p:sp>
-      <p:sp>
-        <p:nvSpPr>
-          <p:cNvPr id="13" name="Espace réservé du texte 12"/>
-          <p:cNvSpPr>
-            <a:spLocks noGrp="1"/>
-          </p:cNvSpPr>
-          <p:nvPr>
-            <p:ph type="body" sz="half" idx="2"/>
-          </p:nvPr>
-        </p:nvSpPr>
-        <p:spPr/>
-        <p:txBody>
-          <a:bodyPr/>
-          <a:lstStyle/>
-          <a:p>
-            <a:endParaRPr lang="fr-FR" dirty="0"/>
+            <a:endParaRPr dirty="0"/>
           </a:p>
         </p:txBody>
       </p:sp>
@@ -5559,7 +5429,7 @@
             <a:fld id="{D7884D48-49E7-4475-813A-6B2B1B9440B5}" type="datetime2">
               <a:rPr lang="fr-FR" smtClean="0"/>
               <a:pPr/>
-              <a:t>jeudi 29 juin 2017</a:t>
+              <a:t>vendredi 30 juin 2017</a:t>
             </a:fld>
             <a:endParaRPr lang="fr-FR" dirty="0"/>
           </a:p>
@@ -5587,32 +5457,11 @@
             <a:pPr algn="ctr"/>
             <a:r>
               <a:rPr lang="fr-FR" sz="4800" dirty="0" smtClean="0"/>
-              <a:t>Introduction </a:t>
-            </a:r>
-            <a:r>
-              <a:rPr lang="fr-FR" sz="4800" dirty="0" smtClean="0"/>
-              <a:t>:</a:t>
+              <a:t>Introduction :</a:t>
             </a:r>
             <a:endParaRPr lang="fr-FR" sz="4800" dirty="0"/>
           </a:p>
         </p:txBody>
-      </p:sp>
-      <p:sp>
-        <p:nvSpPr>
-          <p:cNvPr id="5" name="Espace réservé pour une image  4"/>
-          <p:cNvSpPr>
-            <a:spLocks noGrp="1"/>
-          </p:cNvSpPr>
-          <p:nvPr>
-            <p:ph type="pic" idx="1"/>
-          </p:nvPr>
-        </p:nvSpPr>
-        <p:spPr>
-          <a:xfrm>
-            <a:off x="1403648" y="0"/>
-            <a:ext cx="7596336" cy="3419856"/>
-          </a:xfrm>
-        </p:spPr>
       </p:sp>
       <p:sp>
         <p:nvSpPr>
@@ -5643,9 +5492,6 @@
               </a:rPr>
               <a:t>   Introduction </a:t>
             </a:r>
-            <a:endParaRPr lang="fi-FI" sz="1600" dirty="0" smtClean="0">
-              <a:latin typeface="Rockwell" pitchFamily="18" charset="0"/>
-            </a:endParaRPr>
           </a:p>
           <a:p>
             <a:pPr lvl="0"/>
@@ -5655,9 +5501,6 @@
               </a:rPr>
               <a:t>   Contexte </a:t>
             </a:r>
-            <a:endParaRPr lang="fi-FI" sz="1600" dirty="0" smtClean="0">
-              <a:latin typeface="Rockwell" pitchFamily="18" charset="0"/>
-            </a:endParaRPr>
           </a:p>
           <a:p>
             <a:pPr lvl="0"/>
@@ -5667,9 +5510,6 @@
               </a:rPr>
               <a:t>   Conception </a:t>
             </a:r>
-            <a:endParaRPr lang="fi-FI" sz="1600" dirty="0" smtClean="0">
-              <a:latin typeface="Rockwell" pitchFamily="18" charset="0"/>
-            </a:endParaRPr>
           </a:p>
           <a:p>
             <a:pPr lvl="0"/>
@@ -5679,9 +5519,6 @@
               </a:rPr>
               <a:t>   Réalisations </a:t>
             </a:r>
-            <a:endParaRPr lang="fi-FI" sz="1600" dirty="0" smtClean="0">
-              <a:latin typeface="Rockwell" pitchFamily="18" charset="0"/>
-            </a:endParaRPr>
           </a:p>
           <a:p>
             <a:pPr lvl="0"/>
@@ -5691,9 +5528,6 @@
               </a:rPr>
               <a:t>   Démo</a:t>
             </a:r>
-            <a:endParaRPr lang="fi-FI" sz="1600" dirty="0" smtClean="0">
-              <a:latin typeface="Rockwell" pitchFamily="18" charset="0"/>
-            </a:endParaRPr>
           </a:p>
           <a:p>
             <a:pPr lvl="0"/>
@@ -5703,9 +5537,6 @@
               </a:rPr>
               <a:t>   Bilan </a:t>
             </a:r>
-            <a:endParaRPr lang="fi-FI" sz="1600" dirty="0" smtClean="0">
-              <a:latin typeface="Rockwell" pitchFamily="18" charset="0"/>
-            </a:endParaRPr>
           </a:p>
           <a:p>
             <a:endParaRPr lang="fr-FR" dirty="0"/>
@@ -5732,7 +5563,7 @@
         </p:blipFill>
         <p:spPr>
           <a:xfrm>
-            <a:off x="23280" y="183270"/>
+            <a:off x="23280" y="214296"/>
             <a:ext cx="84224" cy="84224"/>
           </a:xfrm>
           <a:prstGeom prst="rect">
@@ -5764,7 +5595,7 @@
         </p:blipFill>
         <p:spPr>
           <a:xfrm>
-            <a:off x="23280" y="419894"/>
+            <a:off x="23280" y="450920"/>
             <a:ext cx="84224" cy="84224"/>
           </a:xfrm>
           <a:prstGeom prst="rect">
@@ -5796,7 +5627,7 @@
         </p:blipFill>
         <p:spPr>
           <a:xfrm>
-            <a:off x="35496" y="687326"/>
+            <a:off x="35496" y="718352"/>
             <a:ext cx="84224" cy="84224"/>
           </a:xfrm>
           <a:prstGeom prst="rect">
@@ -5828,7 +5659,7 @@
         </p:blipFill>
         <p:spPr>
           <a:xfrm>
-            <a:off x="35496" y="915566"/>
+            <a:off x="35496" y="946592"/>
             <a:ext cx="84224" cy="84224"/>
           </a:xfrm>
           <a:prstGeom prst="rect">
@@ -5860,7 +5691,7 @@
         </p:blipFill>
         <p:spPr>
           <a:xfrm>
-            <a:off x="35496" y="1119374"/>
+            <a:off x="35496" y="1150400"/>
             <a:ext cx="84224" cy="84224"/>
           </a:xfrm>
           <a:prstGeom prst="rect">
@@ -5892,7 +5723,7 @@
         </p:blipFill>
         <p:spPr>
           <a:xfrm>
-            <a:off x="35496" y="1407406"/>
+            <a:off x="35496" y="1438432"/>
             <a:ext cx="84224" cy="84224"/>
           </a:xfrm>
           <a:prstGeom prst="rect">
@@ -5921,7 +5752,8 @@
           <a:p>
             <a:fld id="{6EFAC87A-A106-4D4F-9A10-42ECA6925BE1}" type="datetime1">
               <a:rPr kumimoji="0" lang="fr-FR" smtClean="0"/>
-              <a:t>29/06/2017</a:t>
+              <a:pPr/>
+              <a:t>30/06/2017</a:t>
             </a:fld>
             <a:endParaRPr kumimoji="0" lang="fr-FR"/>
           </a:p>
@@ -5969,7 +5801,7 @@
       </p:sp>
       <p:sp>
         <p:nvSpPr>
-          <p:cNvPr id="32" name="ZoneTexte 31"/>
+          <p:cNvPr id="17" name="ZoneTexte 16"/>
           <p:cNvSpPr txBox="1"/>
           <p:nvPr/>
         </p:nvSpPr>
@@ -6009,7 +5841,7 @@
       </p:sp>
       <p:sp>
         <p:nvSpPr>
-          <p:cNvPr id="33" name="Rectangle 32"/>
+          <p:cNvPr id="18" name="Rectangle 17"/>
           <p:cNvSpPr/>
           <p:nvPr/>
         </p:nvSpPr>
@@ -6036,8 +5868,11 @@
                 </a:solidFill>
                 <a:latin typeface="URW Bookman L" pitchFamily="2"/>
               </a:rPr>
-              <a:t>- Bureau </a:t>
-            </a:r>
+              <a:t>- Bureau d’études techniques</a:t>
+            </a:r>
+          </a:p>
+          <a:p>
+            <a:pPr lvl="0"/>
             <a:r>
               <a:rPr lang="fi-FI" sz="2000" dirty="0" smtClean="0">
                 <a:solidFill>
@@ -6045,7 +5880,7 @@
                 </a:solidFill>
                 <a:latin typeface="URW Bookman L" pitchFamily="2"/>
               </a:rPr>
-              <a:t>d’études techniques</a:t>
+              <a:t>- Création en mai 2000</a:t>
             </a:r>
           </a:p>
           <a:p>
@@ -6057,8 +5892,14 @@
                 </a:solidFill>
                 <a:latin typeface="URW Bookman L" pitchFamily="2"/>
               </a:rPr>
-              <a:t>- Création </a:t>
-            </a:r>
+              <a:t>- Géologie et hydrologie</a:t>
+            </a:r>
+          </a:p>
+          <a:p>
+            <a:pPr lvl="0">
+              <a:buFontTx/>
+              <a:buChar char="-"/>
+            </a:pPr>
             <a:r>
               <a:rPr lang="fi-FI" sz="2000" dirty="0" smtClean="0">
                 <a:solidFill>
@@ -6066,7 +5907,43 @@
                 </a:solidFill>
                 <a:latin typeface="URW Bookman L" pitchFamily="2"/>
               </a:rPr>
-              <a:t>en mai 2000</a:t>
+              <a:t> 3 personnes internes :</a:t>
+            </a:r>
+          </a:p>
+          <a:p>
+            <a:pPr lvl="0"/>
+            <a:r>
+              <a:rPr lang="fi-FI" sz="1600" dirty="0" smtClean="0">
+                <a:solidFill>
+                  <a:srgbClr val="000000"/>
+                </a:solidFill>
+                <a:latin typeface="URW Bookman L" pitchFamily="2"/>
+              </a:rPr>
+              <a:t>	Mr Pierre LEMOINE : Géologue</a:t>
+            </a:r>
+          </a:p>
+          <a:p>
+            <a:pPr lvl="0"/>
+            <a:r>
+              <a:rPr lang="fi-FI" sz="1600" dirty="0" smtClean="0">
+                <a:solidFill>
+                  <a:srgbClr val="000000"/>
+                </a:solidFill>
+                <a:latin typeface="URW Bookman L" pitchFamily="2"/>
+              </a:rPr>
+              <a:t>	Mlle Sandra LAMBERT :Hydrogéologue</a:t>
+            </a:r>
+          </a:p>
+          <a:p>
+            <a:pPr lvl="0"/>
+            <a:r>
+              <a:rPr lang="fi-FI" sz="1600" dirty="0" smtClean="0">
+                <a:solidFill>
+                  <a:srgbClr val="000000"/>
+                </a:solidFill>
+                <a:latin typeface="URW Bookman L" pitchFamily="2"/>
+              </a:rPr>
+              <a:t>	Mr Thomas BOIS : Géologue</a:t>
             </a:r>
           </a:p>
           <a:p>
@@ -6078,139 +5955,7 @@
                 </a:solidFill>
                 <a:latin typeface="URW Bookman L" pitchFamily="2"/>
               </a:rPr>
-              <a:t>- Géologie </a:t>
-            </a:r>
-            <a:r>
-              <a:rPr lang="fi-FI" sz="2000" dirty="0" smtClean="0">
-                <a:solidFill>
-                  <a:srgbClr val="000000"/>
-                </a:solidFill>
-                <a:latin typeface="URW Bookman L" pitchFamily="2"/>
-              </a:rPr>
-              <a:t>et hydrologie</a:t>
-            </a:r>
-          </a:p>
-          <a:p>
-            <a:pPr lvl="0">
-              <a:buFontTx/>
-              <a:buChar char="-"/>
-            </a:pPr>
-            <a:r>
-              <a:rPr lang="fi-FI" sz="2000" dirty="0" smtClean="0">
-                <a:solidFill>
-                  <a:srgbClr val="000000"/>
-                </a:solidFill>
-                <a:latin typeface="URW Bookman L" pitchFamily="2"/>
-              </a:rPr>
-              <a:t> 3 </a:t>
-            </a:r>
-            <a:r>
-              <a:rPr lang="fi-FI" sz="2000" dirty="0" smtClean="0">
-                <a:solidFill>
-                  <a:srgbClr val="000000"/>
-                </a:solidFill>
-                <a:latin typeface="URW Bookman L" pitchFamily="2"/>
-              </a:rPr>
-              <a:t>personnes </a:t>
-            </a:r>
-            <a:r>
-              <a:rPr lang="fi-FI" sz="2000" dirty="0" smtClean="0">
-                <a:solidFill>
-                  <a:srgbClr val="000000"/>
-                </a:solidFill>
-                <a:latin typeface="URW Bookman L" pitchFamily="2"/>
-              </a:rPr>
-              <a:t>internes :</a:t>
-            </a:r>
-          </a:p>
-          <a:p>
-            <a:pPr lvl="0"/>
-            <a:r>
-              <a:rPr lang="fi-FI" sz="1600" dirty="0" smtClean="0">
-                <a:solidFill>
-                  <a:srgbClr val="000000"/>
-                </a:solidFill>
-                <a:latin typeface="URW Bookman L" pitchFamily="2"/>
-              </a:rPr>
-              <a:t>	</a:t>
-            </a:r>
-            <a:r>
-              <a:rPr lang="fi-FI" sz="1600" dirty="0" smtClean="0">
-                <a:solidFill>
-                  <a:srgbClr val="000000"/>
-                </a:solidFill>
-                <a:latin typeface="URW Bookman L" pitchFamily="2"/>
-              </a:rPr>
-              <a:t>Mr Pierre LEMOINE : Géologue</a:t>
-            </a:r>
-          </a:p>
-          <a:p>
-            <a:pPr lvl="0"/>
-            <a:r>
-              <a:rPr lang="fi-FI" sz="1600" dirty="0" smtClean="0">
-                <a:solidFill>
-                  <a:srgbClr val="000000"/>
-                </a:solidFill>
-                <a:latin typeface="URW Bookman L" pitchFamily="2"/>
-              </a:rPr>
-              <a:t>	</a:t>
-            </a:r>
-            <a:r>
-              <a:rPr lang="fi-FI" sz="1600" dirty="0" smtClean="0">
-                <a:solidFill>
-                  <a:srgbClr val="000000"/>
-                </a:solidFill>
-                <a:latin typeface="URW Bookman L" pitchFamily="2"/>
-              </a:rPr>
-              <a:t>Mlle Sandra LAMBERT :Hydrogéologue</a:t>
-            </a:r>
-          </a:p>
-          <a:p>
-            <a:pPr lvl="0"/>
-            <a:r>
-              <a:rPr lang="fi-FI" sz="1600" dirty="0" smtClean="0">
-                <a:solidFill>
-                  <a:srgbClr val="000000"/>
-                </a:solidFill>
-                <a:latin typeface="URW Bookman L" pitchFamily="2"/>
-              </a:rPr>
-              <a:t>	</a:t>
-            </a:r>
-            <a:r>
-              <a:rPr lang="fi-FI" sz="1600" dirty="0" smtClean="0">
-                <a:solidFill>
-                  <a:srgbClr val="000000"/>
-                </a:solidFill>
-                <a:latin typeface="URW Bookman L" pitchFamily="2"/>
-              </a:rPr>
-              <a:t>Mr Thomas BOIS : Géologue</a:t>
-            </a:r>
-            <a:endParaRPr lang="fi-FI" sz="1600" dirty="0" smtClean="0">
-              <a:solidFill>
-                <a:srgbClr val="000000"/>
-              </a:solidFill>
-              <a:latin typeface="URW Bookman L" pitchFamily="2"/>
-            </a:endParaRPr>
-          </a:p>
-          <a:p>
-            <a:pPr lvl="0"/>
-            <a:r>
-              <a:rPr lang="fi-FI" sz="2000" dirty="0" smtClean="0">
-                <a:solidFill>
-                  <a:srgbClr val="000000"/>
-                </a:solidFill>
-                <a:latin typeface="URW Bookman L" pitchFamily="2"/>
-              </a:rPr>
-              <a:t>- Lauréat </a:t>
-            </a:r>
-            <a:r>
-              <a:rPr lang="fi-FI" sz="2000" dirty="0" smtClean="0">
-                <a:solidFill>
-                  <a:srgbClr val="000000"/>
-                </a:solidFill>
-                <a:latin typeface="URW Bookman L" pitchFamily="2"/>
-              </a:rPr>
-              <a:t>régional “Economie sociale” 2001</a:t>
+              <a:t>- Lauréat régional “Economie sociale” 2001</a:t>
             </a:r>
             <a:endParaRPr lang="fi-FI" sz="2000" dirty="0">
               <a:solidFill>
@@ -6223,7 +5968,7 @@
       </p:sp>
       <p:pic>
         <p:nvPicPr>
-          <p:cNvPr id="2051" name="Picture 3"/>
+          <p:cNvPr id="19" name="Picture 3"/>
           <p:cNvPicPr>
             <a:picLocks noChangeAspect="1" noChangeArrowheads="1"/>
           </p:cNvPicPr>
@@ -6312,7 +6057,7 @@
             <a:fld id="{D7884D48-49E7-4475-813A-6B2B1B9440B5}" type="datetime2">
               <a:rPr lang="fr-FR" smtClean="0"/>
               <a:pPr/>
-              <a:t>jeudi 29 juin 2017</a:t>
+              <a:t>vendredi 30 juin 2017</a:t>
             </a:fld>
             <a:endParaRPr lang="fr-FR" dirty="0"/>
           </a:p>
@@ -6340,32 +6085,11 @@
             <a:pPr algn="ctr"/>
             <a:r>
               <a:rPr lang="fr-FR" sz="4800" dirty="0" smtClean="0"/>
-              <a:t>Introduction </a:t>
-            </a:r>
-            <a:r>
-              <a:rPr lang="fr-FR" sz="4800" dirty="0" smtClean="0"/>
-              <a:t>:</a:t>
+              <a:t>Introduction :</a:t>
             </a:r>
             <a:endParaRPr lang="fr-FR" sz="4800" dirty="0"/>
           </a:p>
         </p:txBody>
-      </p:sp>
-      <p:sp>
-        <p:nvSpPr>
-          <p:cNvPr id="5" name="Espace réservé pour une image  4"/>
-          <p:cNvSpPr>
-            <a:spLocks noGrp="1"/>
-          </p:cNvSpPr>
-          <p:nvPr>
-            <p:ph type="pic" idx="1"/>
-          </p:nvPr>
-        </p:nvSpPr>
-        <p:spPr>
-          <a:xfrm>
-            <a:off x="1403648" y="0"/>
-            <a:ext cx="7596336" cy="3419856"/>
-          </a:xfrm>
-        </p:spPr>
       </p:sp>
       <p:sp>
         <p:nvSpPr>
@@ -6396,9 +6120,6 @@
               </a:rPr>
               <a:t>   Introduction </a:t>
             </a:r>
-            <a:endParaRPr lang="fi-FI" sz="1600" dirty="0" smtClean="0">
-              <a:latin typeface="Rockwell" pitchFamily="18" charset="0"/>
-            </a:endParaRPr>
           </a:p>
           <a:p>
             <a:pPr lvl="0"/>
@@ -6408,9 +6129,6 @@
               </a:rPr>
               <a:t>   Contexte </a:t>
             </a:r>
-            <a:endParaRPr lang="fi-FI" sz="1600" dirty="0" smtClean="0">
-              <a:latin typeface="Rockwell" pitchFamily="18" charset="0"/>
-            </a:endParaRPr>
           </a:p>
           <a:p>
             <a:pPr lvl="0"/>
@@ -6420,9 +6138,6 @@
               </a:rPr>
               <a:t>   Conception </a:t>
             </a:r>
-            <a:endParaRPr lang="fi-FI" sz="1600" dirty="0" smtClean="0">
-              <a:latin typeface="Rockwell" pitchFamily="18" charset="0"/>
-            </a:endParaRPr>
           </a:p>
           <a:p>
             <a:pPr lvl="0"/>
@@ -6432,9 +6147,6 @@
               </a:rPr>
               <a:t>   Réalisations </a:t>
             </a:r>
-            <a:endParaRPr lang="fi-FI" sz="1600" dirty="0" smtClean="0">
-              <a:latin typeface="Rockwell" pitchFamily="18" charset="0"/>
-            </a:endParaRPr>
           </a:p>
           <a:p>
             <a:pPr lvl="0"/>
@@ -6444,9 +6156,6 @@
               </a:rPr>
               <a:t>   Démo</a:t>
             </a:r>
-            <a:endParaRPr lang="fi-FI" sz="1600" dirty="0" smtClean="0">
-              <a:latin typeface="Rockwell" pitchFamily="18" charset="0"/>
-            </a:endParaRPr>
           </a:p>
           <a:p>
             <a:pPr lvl="0"/>
@@ -6456,9 +6165,6 @@
               </a:rPr>
               <a:t>   Bilan </a:t>
             </a:r>
-            <a:endParaRPr lang="fi-FI" sz="1600" dirty="0" smtClean="0">
-              <a:latin typeface="Rockwell" pitchFamily="18" charset="0"/>
-            </a:endParaRPr>
           </a:p>
           <a:p>
             <a:endParaRPr lang="fr-FR" dirty="0"/>
@@ -6467,7 +6173,7 @@
       </p:sp>
       <p:pic>
         <p:nvPicPr>
-          <p:cNvPr id="16" name="Image 15"/>
+          <p:cNvPr id="21" name="Image 20"/>
           <p:cNvPicPr>
             <a:picLocks noChangeAspect="1"/>
           </p:cNvPicPr>
@@ -6485,7 +6191,7 @@
         </p:blipFill>
         <p:spPr>
           <a:xfrm>
-            <a:off x="2123728" y="267494"/>
+            <a:off x="23280" y="183270"/>
             <a:ext cx="84224" cy="84224"/>
           </a:xfrm>
           <a:prstGeom prst="rect">
@@ -6499,135 +6205,7 @@
       </p:pic>
       <p:pic>
         <p:nvPicPr>
-          <p:cNvPr id="17" name="Image 16"/>
-          <p:cNvPicPr>
-            <a:picLocks noChangeAspect="1"/>
-          </p:cNvPicPr>
-          <p:nvPr/>
-        </p:nvPicPr>
-        <p:blipFill>
-          <a:blip r:embed="rId3" cstate="print">
-            <a:alphaModFix/>
-            <a:lum/>
-          </a:blip>
-          <a:srcRect/>
-          <a:stretch>
-            <a:fillRect/>
-          </a:stretch>
-        </p:blipFill>
-        <p:spPr>
-          <a:xfrm>
-            <a:off x="3695847" y="267494"/>
-            <a:ext cx="84224" cy="84224"/>
-          </a:xfrm>
-          <a:prstGeom prst="rect">
-            <a:avLst/>
-          </a:prstGeom>
-          <a:noFill/>
-          <a:ln>
-            <a:noFill/>
-          </a:ln>
-        </p:spPr>
-      </p:pic>
-      <p:pic>
-        <p:nvPicPr>
-          <p:cNvPr id="18" name="Image 17"/>
-          <p:cNvPicPr>
-            <a:picLocks noChangeAspect="1"/>
-          </p:cNvPicPr>
-          <p:nvPr/>
-        </p:nvPicPr>
-        <p:blipFill>
-          <a:blip r:embed="rId3" cstate="print">
-            <a:alphaModFix/>
-            <a:lum/>
-          </a:blip>
-          <a:srcRect/>
-          <a:stretch>
-            <a:fillRect/>
-          </a:stretch>
-        </p:blipFill>
-        <p:spPr>
-          <a:xfrm>
-            <a:off x="5591968" y="267494"/>
-            <a:ext cx="84224" cy="84224"/>
-          </a:xfrm>
-          <a:prstGeom prst="rect">
-            <a:avLst/>
-          </a:prstGeom>
-          <a:noFill/>
-          <a:ln>
-            <a:noFill/>
-          </a:ln>
-        </p:spPr>
-      </p:pic>
-      <p:pic>
-        <p:nvPicPr>
-          <p:cNvPr id="19" name="Image 18"/>
-          <p:cNvPicPr>
-            <a:picLocks noChangeAspect="1"/>
-          </p:cNvPicPr>
-          <p:nvPr/>
-        </p:nvPicPr>
-        <p:blipFill>
-          <a:blip r:embed="rId3" cstate="print">
-            <a:alphaModFix/>
-            <a:lum/>
-          </a:blip>
-          <a:srcRect/>
-          <a:stretch>
-            <a:fillRect/>
-          </a:stretch>
-        </p:blipFill>
-        <p:spPr>
-          <a:xfrm>
-            <a:off x="7571968" y="267494"/>
-            <a:ext cx="84224" cy="84224"/>
-          </a:xfrm>
-          <a:prstGeom prst="rect">
-            <a:avLst/>
-          </a:prstGeom>
-          <a:noFill/>
-          <a:ln>
-            <a:noFill/>
-          </a:ln>
-        </p:spPr>
-      </p:pic>
-      <p:pic>
-        <p:nvPicPr>
-          <p:cNvPr id="20" name="Image 19"/>
-          <p:cNvPicPr>
-            <a:picLocks noChangeAspect="1"/>
-          </p:cNvPicPr>
-          <p:nvPr/>
-        </p:nvPicPr>
-        <p:blipFill>
-          <a:blip r:embed="rId3" cstate="print">
-            <a:alphaModFix/>
-            <a:lum/>
-          </a:blip>
-          <a:srcRect/>
-          <a:stretch>
-            <a:fillRect/>
-          </a:stretch>
-        </p:blipFill>
-        <p:spPr>
-          <a:xfrm>
-            <a:off x="8831968" y="267494"/>
-            <a:ext cx="84224" cy="84224"/>
-          </a:xfrm>
-          <a:prstGeom prst="rect">
-            <a:avLst/>
-          </a:prstGeom>
-          <a:noFill/>
-          <a:ln>
-            <a:noFill/>
-          </a:ln>
-        </p:spPr>
-      </p:pic>
-      <p:pic>
-        <p:nvPicPr>
-          <p:cNvPr id="21" name="Image 20"/>
+          <p:cNvPr id="23" name="Image 22"/>
           <p:cNvPicPr>
             <a:picLocks noChangeAspect="1"/>
           </p:cNvPicPr>
@@ -6645,38 +6223,6 @@
         </p:blipFill>
         <p:spPr>
           <a:xfrm>
-            <a:off x="23280" y="183270"/>
-            <a:ext cx="84224" cy="84224"/>
-          </a:xfrm>
-          <a:prstGeom prst="rect">
-            <a:avLst/>
-          </a:prstGeom>
-          <a:noFill/>
-          <a:ln>
-            <a:noFill/>
-          </a:ln>
-        </p:spPr>
-      </p:pic>
-      <p:pic>
-        <p:nvPicPr>
-          <p:cNvPr id="23" name="Image 22"/>
-          <p:cNvPicPr>
-            <a:picLocks noChangeAspect="1"/>
-          </p:cNvPicPr>
-          <p:nvPr/>
-        </p:nvPicPr>
-        <p:blipFill>
-          <a:blip r:embed="rId3" cstate="print">
-            <a:alphaModFix/>
-            <a:lum/>
-          </a:blip>
-          <a:srcRect/>
-          <a:stretch>
-            <a:fillRect/>
-          </a:stretch>
-        </p:blipFill>
-        <p:spPr>
-          <a:xfrm>
             <a:off x="23280" y="419894"/>
             <a:ext cx="84224" cy="84224"/>
           </a:xfrm>
@@ -6698,7 +6244,7 @@
           <p:nvPr/>
         </p:nvPicPr>
         <p:blipFill>
-          <a:blip r:embed="rId3" cstate="print">
+          <a:blip r:embed="rId4" cstate="print">
             <a:alphaModFix/>
             <a:lum/>
           </a:blip>
@@ -6730,7 +6276,7 @@
           <p:nvPr/>
         </p:nvPicPr>
         <p:blipFill>
-          <a:blip r:embed="rId3" cstate="print">
+          <a:blip r:embed="rId4" cstate="print">
             <a:alphaModFix/>
             <a:lum/>
           </a:blip>
@@ -6762,7 +6308,7 @@
           <p:nvPr/>
         </p:nvPicPr>
         <p:blipFill>
-          <a:blip r:embed="rId3" cstate="print">
+          <a:blip r:embed="rId4" cstate="print">
             <a:alphaModFix/>
             <a:lum/>
           </a:blip>
@@ -6794,7 +6340,7 @@
           <p:nvPr/>
         </p:nvPicPr>
         <p:blipFill>
-          <a:blip r:embed="rId3" cstate="print">
+          <a:blip r:embed="rId4" cstate="print">
             <a:alphaModFix/>
             <a:lum/>
           </a:blip>
@@ -6834,7 +6380,8 @@
           <a:p>
             <a:fld id="{6EFAC87A-A106-4D4F-9A10-42ECA6925BE1}" type="datetime1">
               <a:rPr kumimoji="0" lang="fr-FR" smtClean="0"/>
-              <a:t>29/06/2017</a:t>
+              <a:pPr/>
+              <a:t>30/06/2017</a:t>
             </a:fld>
             <a:endParaRPr kumimoji="0" lang="fr-FR"/>
           </a:p>
@@ -6939,7 +6486,7 @@
             <a:fld id="{D7884D48-49E7-4475-813A-6B2B1B9440B5}" type="datetime2">
               <a:rPr lang="fr-FR" smtClean="0"/>
               <a:pPr/>
-              <a:t>jeudi 29 juin 2017</a:t>
+              <a:t>vendredi 30 juin 2017</a:t>
             </a:fld>
             <a:endParaRPr lang="fr-FR" dirty="0"/>
           </a:p>
@@ -6967,32 +6514,11 @@
             <a:pPr algn="ctr"/>
             <a:r>
               <a:rPr lang="fr-FR" sz="4800" dirty="0" smtClean="0"/>
-              <a:t>Introduction </a:t>
-            </a:r>
-            <a:r>
-              <a:rPr lang="fr-FR" sz="4800" dirty="0" smtClean="0"/>
-              <a:t>:</a:t>
+              <a:t>Introduction :</a:t>
             </a:r>
             <a:endParaRPr lang="fr-FR" sz="4800" dirty="0"/>
           </a:p>
         </p:txBody>
-      </p:sp>
-      <p:sp>
-        <p:nvSpPr>
-          <p:cNvPr id="5" name="Espace réservé pour une image  4"/>
-          <p:cNvSpPr>
-            <a:spLocks noGrp="1"/>
-          </p:cNvSpPr>
-          <p:nvPr>
-            <p:ph type="pic" idx="1"/>
-          </p:nvPr>
-        </p:nvSpPr>
-        <p:spPr>
-          <a:xfrm>
-            <a:off x="1403648" y="0"/>
-            <a:ext cx="7596336" cy="3419856"/>
-          </a:xfrm>
-        </p:spPr>
       </p:sp>
       <p:sp>
         <p:nvSpPr>
@@ -7023,9 +6549,6 @@
               </a:rPr>
               <a:t>   Introduction </a:t>
             </a:r>
-            <a:endParaRPr lang="fi-FI" sz="1600" dirty="0" smtClean="0">
-              <a:latin typeface="Rockwell" pitchFamily="18" charset="0"/>
-            </a:endParaRPr>
           </a:p>
           <a:p>
             <a:pPr lvl="0"/>
@@ -7035,9 +6558,6 @@
               </a:rPr>
               <a:t>   Contexte </a:t>
             </a:r>
-            <a:endParaRPr lang="fi-FI" sz="1600" dirty="0" smtClean="0">
-              <a:latin typeface="Rockwell" pitchFamily="18" charset="0"/>
-            </a:endParaRPr>
           </a:p>
           <a:p>
             <a:pPr lvl="0"/>
@@ -7047,9 +6567,6 @@
               </a:rPr>
               <a:t>   Conception </a:t>
             </a:r>
-            <a:endParaRPr lang="fi-FI" sz="1600" dirty="0" smtClean="0">
-              <a:latin typeface="Rockwell" pitchFamily="18" charset="0"/>
-            </a:endParaRPr>
           </a:p>
           <a:p>
             <a:pPr lvl="0"/>
@@ -7059,9 +6576,6 @@
               </a:rPr>
               <a:t>   Réalisations </a:t>
             </a:r>
-            <a:endParaRPr lang="fi-FI" sz="1600" dirty="0" smtClean="0">
-              <a:latin typeface="Rockwell" pitchFamily="18" charset="0"/>
-            </a:endParaRPr>
           </a:p>
           <a:p>
             <a:pPr lvl="0"/>
@@ -7071,9 +6585,6 @@
               </a:rPr>
               <a:t>   Démo</a:t>
             </a:r>
-            <a:endParaRPr lang="fi-FI" sz="1600" dirty="0" smtClean="0">
-              <a:latin typeface="Rockwell" pitchFamily="18" charset="0"/>
-            </a:endParaRPr>
           </a:p>
           <a:p>
             <a:pPr lvl="0"/>
@@ -7083,9 +6594,6 @@
               </a:rPr>
               <a:t>   Bilan </a:t>
             </a:r>
-            <a:endParaRPr lang="fi-FI" sz="1600" dirty="0" smtClean="0">
-              <a:latin typeface="Rockwell" pitchFamily="18" charset="0"/>
-            </a:endParaRPr>
           </a:p>
           <a:p>
             <a:endParaRPr lang="fr-FR" dirty="0"/>
@@ -7094,7 +6602,7 @@
       </p:sp>
       <p:pic>
         <p:nvPicPr>
-          <p:cNvPr id="16" name="Image 15"/>
+          <p:cNvPr id="21" name="Image 20"/>
           <p:cNvPicPr>
             <a:picLocks noChangeAspect="1"/>
           </p:cNvPicPr>
@@ -7112,7 +6620,7 @@
         </p:blipFill>
         <p:spPr>
           <a:xfrm>
-            <a:off x="2123728" y="267494"/>
+            <a:off x="23280" y="183270"/>
             <a:ext cx="84224" cy="84224"/>
           </a:xfrm>
           <a:prstGeom prst="rect">
@@ -7126,135 +6634,7 @@
       </p:pic>
       <p:pic>
         <p:nvPicPr>
-          <p:cNvPr id="17" name="Image 16"/>
-          <p:cNvPicPr>
-            <a:picLocks noChangeAspect="1"/>
-          </p:cNvPicPr>
-          <p:nvPr/>
-        </p:nvPicPr>
-        <p:blipFill>
-          <a:blip r:embed="rId3" cstate="print">
-            <a:alphaModFix/>
-            <a:lum/>
-          </a:blip>
-          <a:srcRect/>
-          <a:stretch>
-            <a:fillRect/>
-          </a:stretch>
-        </p:blipFill>
-        <p:spPr>
-          <a:xfrm>
-            <a:off x="3695847" y="267494"/>
-            <a:ext cx="84224" cy="84224"/>
-          </a:xfrm>
-          <a:prstGeom prst="rect">
-            <a:avLst/>
-          </a:prstGeom>
-          <a:noFill/>
-          <a:ln>
-            <a:noFill/>
-          </a:ln>
-        </p:spPr>
-      </p:pic>
-      <p:pic>
-        <p:nvPicPr>
-          <p:cNvPr id="18" name="Image 17"/>
-          <p:cNvPicPr>
-            <a:picLocks noChangeAspect="1"/>
-          </p:cNvPicPr>
-          <p:nvPr/>
-        </p:nvPicPr>
-        <p:blipFill>
-          <a:blip r:embed="rId3" cstate="print">
-            <a:alphaModFix/>
-            <a:lum/>
-          </a:blip>
-          <a:srcRect/>
-          <a:stretch>
-            <a:fillRect/>
-          </a:stretch>
-        </p:blipFill>
-        <p:spPr>
-          <a:xfrm>
-            <a:off x="5591968" y="267494"/>
-            <a:ext cx="84224" cy="84224"/>
-          </a:xfrm>
-          <a:prstGeom prst="rect">
-            <a:avLst/>
-          </a:prstGeom>
-          <a:noFill/>
-          <a:ln>
-            <a:noFill/>
-          </a:ln>
-        </p:spPr>
-      </p:pic>
-      <p:pic>
-        <p:nvPicPr>
-          <p:cNvPr id="19" name="Image 18"/>
-          <p:cNvPicPr>
-            <a:picLocks noChangeAspect="1"/>
-          </p:cNvPicPr>
-          <p:nvPr/>
-        </p:nvPicPr>
-        <p:blipFill>
-          <a:blip r:embed="rId3" cstate="print">
-            <a:alphaModFix/>
-            <a:lum/>
-          </a:blip>
-          <a:srcRect/>
-          <a:stretch>
-            <a:fillRect/>
-          </a:stretch>
-        </p:blipFill>
-        <p:spPr>
-          <a:xfrm>
-            <a:off x="7571968" y="267494"/>
-            <a:ext cx="84224" cy="84224"/>
-          </a:xfrm>
-          <a:prstGeom prst="rect">
-            <a:avLst/>
-          </a:prstGeom>
-          <a:noFill/>
-          <a:ln>
-            <a:noFill/>
-          </a:ln>
-        </p:spPr>
-      </p:pic>
-      <p:pic>
-        <p:nvPicPr>
-          <p:cNvPr id="20" name="Image 19"/>
-          <p:cNvPicPr>
-            <a:picLocks noChangeAspect="1"/>
-          </p:cNvPicPr>
-          <p:nvPr/>
-        </p:nvPicPr>
-        <p:blipFill>
-          <a:blip r:embed="rId3" cstate="print">
-            <a:alphaModFix/>
-            <a:lum/>
-          </a:blip>
-          <a:srcRect/>
-          <a:stretch>
-            <a:fillRect/>
-          </a:stretch>
-        </p:blipFill>
-        <p:spPr>
-          <a:xfrm>
-            <a:off x="8831968" y="267494"/>
-            <a:ext cx="84224" cy="84224"/>
-          </a:xfrm>
-          <a:prstGeom prst="rect">
-            <a:avLst/>
-          </a:prstGeom>
-          <a:noFill/>
-          <a:ln>
-            <a:noFill/>
-          </a:ln>
-        </p:spPr>
-      </p:pic>
-      <p:pic>
-        <p:nvPicPr>
-          <p:cNvPr id="21" name="Image 20"/>
+          <p:cNvPr id="23" name="Image 22"/>
           <p:cNvPicPr>
             <a:picLocks noChangeAspect="1"/>
           </p:cNvPicPr>
@@ -7272,38 +6652,6 @@
         </p:blipFill>
         <p:spPr>
           <a:xfrm>
-            <a:off x="23280" y="183270"/>
-            <a:ext cx="84224" cy="84224"/>
-          </a:xfrm>
-          <a:prstGeom prst="rect">
-            <a:avLst/>
-          </a:prstGeom>
-          <a:noFill/>
-          <a:ln>
-            <a:noFill/>
-          </a:ln>
-        </p:spPr>
-      </p:pic>
-      <p:pic>
-        <p:nvPicPr>
-          <p:cNvPr id="23" name="Image 22"/>
-          <p:cNvPicPr>
-            <a:picLocks noChangeAspect="1"/>
-          </p:cNvPicPr>
-          <p:nvPr/>
-        </p:nvPicPr>
-        <p:blipFill>
-          <a:blip r:embed="rId3" cstate="print">
-            <a:alphaModFix/>
-            <a:lum/>
-          </a:blip>
-          <a:srcRect/>
-          <a:stretch>
-            <a:fillRect/>
-          </a:stretch>
-        </p:blipFill>
-        <p:spPr>
-          <a:xfrm>
             <a:off x="23280" y="419894"/>
             <a:ext cx="84224" cy="84224"/>
           </a:xfrm>
@@ -7325,7 +6673,7 @@
           <p:nvPr/>
         </p:nvPicPr>
         <p:blipFill>
-          <a:blip r:embed="rId3" cstate="print">
+          <a:blip r:embed="rId4" cstate="print">
             <a:alphaModFix/>
             <a:lum/>
           </a:blip>
@@ -7357,7 +6705,7 @@
           <p:nvPr/>
         </p:nvPicPr>
         <p:blipFill>
-          <a:blip r:embed="rId3" cstate="print">
+          <a:blip r:embed="rId4" cstate="print">
             <a:alphaModFix/>
             <a:lum/>
           </a:blip>
@@ -7389,7 +6737,7 @@
           <p:nvPr/>
         </p:nvPicPr>
         <p:blipFill>
-          <a:blip r:embed="rId3" cstate="print">
+          <a:blip r:embed="rId4" cstate="print">
             <a:alphaModFix/>
             <a:lum/>
           </a:blip>
@@ -7421,7 +6769,7 @@
           <p:nvPr/>
         </p:nvPicPr>
         <p:blipFill>
-          <a:blip r:embed="rId3" cstate="print">
+          <a:blip r:embed="rId4" cstate="print">
             <a:alphaModFix/>
             <a:lum/>
           </a:blip>
@@ -7461,7 +6809,8 @@
           <a:p>
             <a:fld id="{BEACA786-806E-4823-AF6A-D00F69C6E75E}" type="datetime1">
               <a:rPr kumimoji="0" lang="fr-FR" smtClean="0"/>
-              <a:t>29/06/2017</a:t>
+              <a:pPr/>
+              <a:t>30/06/2017</a:t>
             </a:fld>
             <a:endParaRPr kumimoji="0" lang="fr-FR"/>
           </a:p>
@@ -7566,7 +6915,7 @@
             <a:fld id="{D7884D48-49E7-4475-813A-6B2B1B9440B5}" type="datetime2">
               <a:rPr lang="fr-FR" smtClean="0"/>
               <a:pPr/>
-              <a:t>jeudi 29 juin 2017</a:t>
+              <a:t>vendredi 30 juin 2017</a:t>
             </a:fld>
             <a:endParaRPr lang="fr-FR" dirty="0"/>
           </a:p>
@@ -7594,32 +6943,11 @@
             <a:pPr algn="ctr"/>
             <a:r>
               <a:rPr lang="fr-FR" sz="4800" dirty="0" smtClean="0"/>
-              <a:t>Introduction </a:t>
-            </a:r>
-            <a:r>
-              <a:rPr lang="fr-FR" sz="4800" dirty="0" smtClean="0"/>
-              <a:t>:</a:t>
+              <a:t>Introduction :</a:t>
             </a:r>
             <a:endParaRPr lang="fr-FR" sz="4800" dirty="0"/>
           </a:p>
         </p:txBody>
-      </p:sp>
-      <p:sp>
-        <p:nvSpPr>
-          <p:cNvPr id="5" name="Espace réservé pour une image  4"/>
-          <p:cNvSpPr>
-            <a:spLocks noGrp="1"/>
-          </p:cNvSpPr>
-          <p:nvPr>
-            <p:ph type="pic" idx="1"/>
-          </p:nvPr>
-        </p:nvSpPr>
-        <p:spPr>
-          <a:xfrm>
-            <a:off x="1403648" y="0"/>
-            <a:ext cx="7596336" cy="3419856"/>
-          </a:xfrm>
-        </p:spPr>
       </p:sp>
       <p:sp>
         <p:nvSpPr>
@@ -7650,9 +6978,6 @@
               </a:rPr>
               <a:t>   Introduction </a:t>
             </a:r>
-            <a:endParaRPr lang="fi-FI" sz="1600" dirty="0" smtClean="0">
-              <a:latin typeface="Rockwell" pitchFamily="18" charset="0"/>
-            </a:endParaRPr>
           </a:p>
           <a:p>
             <a:pPr lvl="0"/>
@@ -7662,9 +6987,6 @@
               </a:rPr>
               <a:t>   Contexte </a:t>
             </a:r>
-            <a:endParaRPr lang="fi-FI" sz="1600" dirty="0" smtClean="0">
-              <a:latin typeface="Rockwell" pitchFamily="18" charset="0"/>
-            </a:endParaRPr>
           </a:p>
           <a:p>
             <a:pPr lvl="0"/>
@@ -7674,9 +6996,6 @@
               </a:rPr>
               <a:t>   Conception </a:t>
             </a:r>
-            <a:endParaRPr lang="fi-FI" sz="1600" dirty="0" smtClean="0">
-              <a:latin typeface="Rockwell" pitchFamily="18" charset="0"/>
-            </a:endParaRPr>
           </a:p>
           <a:p>
             <a:pPr lvl="0"/>
@@ -7686,9 +7005,6 @@
               </a:rPr>
               <a:t>   Réalisations </a:t>
             </a:r>
-            <a:endParaRPr lang="fi-FI" sz="1600" dirty="0" smtClean="0">
-              <a:latin typeface="Rockwell" pitchFamily="18" charset="0"/>
-            </a:endParaRPr>
           </a:p>
           <a:p>
             <a:pPr lvl="0"/>
@@ -7698,9 +7014,6 @@
               </a:rPr>
               <a:t>   Démo</a:t>
             </a:r>
-            <a:endParaRPr lang="fi-FI" sz="1600" dirty="0" smtClean="0">
-              <a:latin typeface="Rockwell" pitchFamily="18" charset="0"/>
-            </a:endParaRPr>
           </a:p>
           <a:p>
             <a:pPr lvl="0"/>
@@ -7710,9 +7023,6 @@
               </a:rPr>
               <a:t>   Bilan </a:t>
             </a:r>
-            <a:endParaRPr lang="fi-FI" sz="1600" dirty="0" smtClean="0">
-              <a:latin typeface="Rockwell" pitchFamily="18" charset="0"/>
-            </a:endParaRPr>
           </a:p>
           <a:p>
             <a:endParaRPr lang="fr-FR" dirty="0"/>
@@ -7928,7 +7238,8 @@
           <a:p>
             <a:fld id="{80C54BC9-4F5B-4F4C-9EA6-D15664E727C2}" type="datetime1">
               <a:rPr kumimoji="0" lang="fr-FR" smtClean="0"/>
-              <a:t>29/06/2017</a:t>
+              <a:pPr/>
+              <a:t>30/06/2017</a:t>
             </a:fld>
             <a:endParaRPr kumimoji="0" lang="fr-FR"/>
           </a:p>
@@ -8095,9 +7406,6 @@
               </a:rPr>
               <a:t>   Introduction </a:t>
             </a:r>
-            <a:endParaRPr lang="fi-FI" sz="1600" dirty="0" smtClean="0">
-              <a:latin typeface="Rockwell" pitchFamily="18" charset="0"/>
-            </a:endParaRPr>
           </a:p>
           <a:p>
             <a:pPr lvl="0"/>
@@ -8107,9 +7415,6 @@
               </a:rPr>
               <a:t>   Contexte </a:t>
             </a:r>
-            <a:endParaRPr lang="fi-FI" sz="1600" dirty="0" smtClean="0">
-              <a:latin typeface="Rockwell" pitchFamily="18" charset="0"/>
-            </a:endParaRPr>
           </a:p>
           <a:p>
             <a:pPr lvl="0"/>
@@ -8119,9 +7424,6 @@
               </a:rPr>
               <a:t>   Conception </a:t>
             </a:r>
-            <a:endParaRPr lang="fi-FI" sz="1600" dirty="0" smtClean="0">
-              <a:latin typeface="Rockwell" pitchFamily="18" charset="0"/>
-            </a:endParaRPr>
           </a:p>
           <a:p>
             <a:pPr lvl="0"/>
@@ -8131,9 +7433,6 @@
               </a:rPr>
               <a:t>   Réalisations </a:t>
             </a:r>
-            <a:endParaRPr lang="fi-FI" sz="1600" dirty="0" smtClean="0">
-              <a:latin typeface="Rockwell" pitchFamily="18" charset="0"/>
-            </a:endParaRPr>
           </a:p>
           <a:p>
             <a:pPr lvl="0"/>
@@ -8143,9 +7442,6 @@
               </a:rPr>
               <a:t>   Démo</a:t>
             </a:r>
-            <a:endParaRPr lang="fi-FI" sz="1600" dirty="0" smtClean="0">
-              <a:latin typeface="Rockwell" pitchFamily="18" charset="0"/>
-            </a:endParaRPr>
           </a:p>
           <a:p>
             <a:pPr lvl="0"/>
@@ -8155,9 +7451,6 @@
               </a:rPr>
               <a:t>   Bilan </a:t>
             </a:r>
-            <a:endParaRPr lang="fi-FI" sz="1600" dirty="0" smtClean="0">
-              <a:latin typeface="Rockwell" pitchFamily="18" charset="0"/>
-            </a:endParaRPr>
           </a:p>
           <a:p>
             <a:endParaRPr lang="fr-FR" dirty="0"/>
@@ -8417,7 +7710,8 @@
           <a:p>
             <a:fld id="{1433EBE7-6562-4001-B26A-4A1A2ED16782}" type="datetime1">
               <a:rPr kumimoji="0" lang="fr-FR" smtClean="0"/>
-              <a:t>29/06/2017</a:t>
+              <a:pPr/>
+              <a:t>30/06/2017</a:t>
             </a:fld>
             <a:endParaRPr kumimoji="0" lang="fr-FR"/>
           </a:p>
@@ -8584,9 +7878,6 @@
               </a:rPr>
               <a:t>   Introduction </a:t>
             </a:r>
-            <a:endParaRPr lang="fi-FI" sz="1600" dirty="0" smtClean="0">
-              <a:latin typeface="Rockwell" pitchFamily="18" charset="0"/>
-            </a:endParaRPr>
           </a:p>
           <a:p>
             <a:pPr lvl="0"/>
@@ -8596,9 +7887,6 @@
               </a:rPr>
               <a:t>   Contexte </a:t>
             </a:r>
-            <a:endParaRPr lang="fi-FI" sz="1600" dirty="0" smtClean="0">
-              <a:latin typeface="Rockwell" pitchFamily="18" charset="0"/>
-            </a:endParaRPr>
           </a:p>
           <a:p>
             <a:pPr lvl="0"/>
@@ -8608,9 +7896,6 @@
               </a:rPr>
               <a:t>   Conception </a:t>
             </a:r>
-            <a:endParaRPr lang="fi-FI" sz="1600" dirty="0" smtClean="0">
-              <a:latin typeface="Rockwell" pitchFamily="18" charset="0"/>
-            </a:endParaRPr>
           </a:p>
           <a:p>
             <a:pPr lvl="0"/>
@@ -8620,9 +7905,6 @@
               </a:rPr>
               <a:t>   Réalisations </a:t>
             </a:r>
-            <a:endParaRPr lang="fi-FI" sz="1600" dirty="0" smtClean="0">
-              <a:latin typeface="Rockwell" pitchFamily="18" charset="0"/>
-            </a:endParaRPr>
           </a:p>
           <a:p>
             <a:pPr lvl="0"/>
@@ -8632,9 +7914,6 @@
               </a:rPr>
               <a:t>   Démo</a:t>
             </a:r>
-            <a:endParaRPr lang="fi-FI" sz="1600" dirty="0" smtClean="0">
-              <a:latin typeface="Rockwell" pitchFamily="18" charset="0"/>
-            </a:endParaRPr>
           </a:p>
           <a:p>
             <a:pPr lvl="0"/>
@@ -8644,9 +7923,6 @@
               </a:rPr>
               <a:t>   Bilan </a:t>
             </a:r>
-            <a:endParaRPr lang="fi-FI" sz="1600" dirty="0" smtClean="0">
-              <a:latin typeface="Rockwell" pitchFamily="18" charset="0"/>
-            </a:endParaRPr>
           </a:p>
           <a:p>
             <a:endParaRPr lang="fr-FR" dirty="0"/>
@@ -8862,7 +8138,8 @@
           <a:p>
             <a:fld id="{1433EBE7-6562-4001-B26A-4A1A2ED16782}" type="datetime1">
               <a:rPr kumimoji="0" lang="fr-FR" smtClean="0"/>
-              <a:t>29/06/2017</a:t>
+              <a:pPr/>
+              <a:t>30/06/2017</a:t>
             </a:fld>
             <a:endParaRPr kumimoji="0" lang="fr-FR"/>
           </a:p>
